--- a/slides/SVMandMemory.pptx
+++ b/slides/SVMandMemory.pptx
@@ -259,7 +259,7 @@
           <a:p>
             <a:fld id="{8D34074B-8323-4E46-B2E6-6EDAC8544776}" type="datetimeFigureOut">
               <a:rPr lang="en-US" smtClean="0"/>
-              <a:t>10/24/20</a:t>
+              <a:t>2/1/21</a:t>
             </a:fld>
             <a:endParaRPr lang="en-US"/>
           </a:p>
@@ -427,7 +427,7 @@
           <a:p>
             <a:fld id="{8D34074B-8323-4E46-B2E6-6EDAC8544776}" type="datetimeFigureOut">
               <a:rPr lang="en-US" smtClean="0"/>
-              <a:t>10/24/20</a:t>
+              <a:t>2/1/21</a:t>
             </a:fld>
             <a:endParaRPr lang="en-US"/>
           </a:p>
@@ -605,7 +605,7 @@
           <a:p>
             <a:fld id="{8D34074B-8323-4E46-B2E6-6EDAC8544776}" type="datetimeFigureOut">
               <a:rPr lang="en-US" smtClean="0"/>
-              <a:t>10/24/20</a:t>
+              <a:t>2/1/21</a:t>
             </a:fld>
             <a:endParaRPr lang="en-US"/>
           </a:p>
@@ -773,7 +773,7 @@
           <a:p>
             <a:fld id="{8D34074B-8323-4E46-B2E6-6EDAC8544776}" type="datetimeFigureOut">
               <a:rPr lang="en-US" smtClean="0"/>
-              <a:t>10/24/20</a:t>
+              <a:t>2/1/21</a:t>
             </a:fld>
             <a:endParaRPr lang="en-US"/>
           </a:p>
@@ -1018,7 +1018,7 @@
           <a:p>
             <a:fld id="{8D34074B-8323-4E46-B2E6-6EDAC8544776}" type="datetimeFigureOut">
               <a:rPr lang="en-US" smtClean="0"/>
-              <a:t>10/24/20</a:t>
+              <a:t>2/1/21</a:t>
             </a:fld>
             <a:endParaRPr lang="en-US"/>
           </a:p>
@@ -1247,7 +1247,7 @@
           <a:p>
             <a:fld id="{8D34074B-8323-4E46-B2E6-6EDAC8544776}" type="datetimeFigureOut">
               <a:rPr lang="en-US" smtClean="0"/>
-              <a:t>10/24/20</a:t>
+              <a:t>2/1/21</a:t>
             </a:fld>
             <a:endParaRPr lang="en-US"/>
           </a:p>
@@ -1611,7 +1611,7 @@
           <a:p>
             <a:fld id="{8D34074B-8323-4E46-B2E6-6EDAC8544776}" type="datetimeFigureOut">
               <a:rPr lang="en-US" smtClean="0"/>
-              <a:t>10/24/20</a:t>
+              <a:t>2/1/21</a:t>
             </a:fld>
             <a:endParaRPr lang="en-US"/>
           </a:p>
@@ -1728,7 +1728,7 @@
           <a:p>
             <a:fld id="{8D34074B-8323-4E46-B2E6-6EDAC8544776}" type="datetimeFigureOut">
               <a:rPr lang="en-US" smtClean="0"/>
-              <a:t>10/24/20</a:t>
+              <a:t>2/1/21</a:t>
             </a:fld>
             <a:endParaRPr lang="en-US"/>
           </a:p>
@@ -1823,7 +1823,7 @@
           <a:p>
             <a:fld id="{8D34074B-8323-4E46-B2E6-6EDAC8544776}" type="datetimeFigureOut">
               <a:rPr lang="en-US" smtClean="0"/>
-              <a:t>10/24/20</a:t>
+              <a:t>2/1/21</a:t>
             </a:fld>
             <a:endParaRPr lang="en-US"/>
           </a:p>
@@ -2098,7 +2098,7 @@
           <a:p>
             <a:fld id="{8D34074B-8323-4E46-B2E6-6EDAC8544776}" type="datetimeFigureOut">
               <a:rPr lang="en-US" smtClean="0"/>
-              <a:t>10/24/20</a:t>
+              <a:t>2/1/21</a:t>
             </a:fld>
             <a:endParaRPr lang="en-US"/>
           </a:p>
@@ -2350,7 +2350,7 @@
           <a:p>
             <a:fld id="{8D34074B-8323-4E46-B2E6-6EDAC8544776}" type="datetimeFigureOut">
               <a:rPr lang="en-US" smtClean="0"/>
-              <a:t>10/24/20</a:t>
+              <a:t>2/1/21</a:t>
             </a:fld>
             <a:endParaRPr lang="en-US"/>
           </a:p>
@@ -2561,7 +2561,7 @@
           <a:p>
             <a:fld id="{8D34074B-8323-4E46-B2E6-6EDAC8544776}" type="datetimeFigureOut">
               <a:rPr lang="en-US" smtClean="0"/>
-              <a:t>10/24/20</a:t>
+              <a:t>2/1/21</a:t>
             </a:fld>
             <a:endParaRPr lang="en-US"/>
           </a:p>
